--- a/Wrapper classes in Java.pptx
+++ b/Wrapper classes in Java.pptx
@@ -109,6 +109,11 @@
       </a:defRPr>
     </a:lvl9pPr>
   </p:defaultTextStyle>
+  <p:extLst>
+    <p:ext uri="{EFAFB233-063F-42B5-8137-9DF3F51BA10A}">
+      <p15:sldGuideLst xmlns:p15="http://schemas.microsoft.com/office/powerpoint/2012/main"/>
+    </p:ext>
+  </p:extLst>
 </p:presentation>
 </file>
 
@@ -261,7 +266,7 @@
           <a:p>
             <a:fld id="{16F2B674-2742-420A-9C08-248EA6F96186}" type="datetimeFigureOut">
               <a:rPr lang="en-IN" smtClean="0"/>
-              <a:t>21-09-2025</a:t>
+              <a:t>25-09-2025</a:t>
             </a:fld>
             <a:endParaRPr lang="en-IN"/>
           </a:p>
@@ -461,7 +466,7 @@
           <a:p>
             <a:fld id="{16F2B674-2742-420A-9C08-248EA6F96186}" type="datetimeFigureOut">
               <a:rPr lang="en-IN" smtClean="0"/>
-              <a:t>21-09-2025</a:t>
+              <a:t>25-09-2025</a:t>
             </a:fld>
             <a:endParaRPr lang="en-IN"/>
           </a:p>
@@ -671,7 +676,7 @@
           <a:p>
             <a:fld id="{16F2B674-2742-420A-9C08-248EA6F96186}" type="datetimeFigureOut">
               <a:rPr lang="en-IN" smtClean="0"/>
-              <a:t>21-09-2025</a:t>
+              <a:t>25-09-2025</a:t>
             </a:fld>
             <a:endParaRPr lang="en-IN"/>
           </a:p>
@@ -871,7 +876,7 @@
           <a:p>
             <a:fld id="{16F2B674-2742-420A-9C08-248EA6F96186}" type="datetimeFigureOut">
               <a:rPr lang="en-IN" smtClean="0"/>
-              <a:t>21-09-2025</a:t>
+              <a:t>25-09-2025</a:t>
             </a:fld>
             <a:endParaRPr lang="en-IN"/>
           </a:p>
@@ -1147,7 +1152,7 @@
           <a:p>
             <a:fld id="{16F2B674-2742-420A-9C08-248EA6F96186}" type="datetimeFigureOut">
               <a:rPr lang="en-IN" smtClean="0"/>
-              <a:t>21-09-2025</a:t>
+              <a:t>25-09-2025</a:t>
             </a:fld>
             <a:endParaRPr lang="en-IN"/>
           </a:p>
@@ -1415,7 +1420,7 @@
           <a:p>
             <a:fld id="{16F2B674-2742-420A-9C08-248EA6F96186}" type="datetimeFigureOut">
               <a:rPr lang="en-IN" smtClean="0"/>
-              <a:t>21-09-2025</a:t>
+              <a:t>25-09-2025</a:t>
             </a:fld>
             <a:endParaRPr lang="en-IN"/>
           </a:p>
@@ -1830,7 +1835,7 @@
           <a:p>
             <a:fld id="{16F2B674-2742-420A-9C08-248EA6F96186}" type="datetimeFigureOut">
               <a:rPr lang="en-IN" smtClean="0"/>
-              <a:t>21-09-2025</a:t>
+              <a:t>25-09-2025</a:t>
             </a:fld>
             <a:endParaRPr lang="en-IN"/>
           </a:p>
@@ -1972,7 +1977,7 @@
           <a:p>
             <a:fld id="{16F2B674-2742-420A-9C08-248EA6F96186}" type="datetimeFigureOut">
               <a:rPr lang="en-IN" smtClean="0"/>
-              <a:t>21-09-2025</a:t>
+              <a:t>25-09-2025</a:t>
             </a:fld>
             <a:endParaRPr lang="en-IN"/>
           </a:p>
@@ -2085,7 +2090,7 @@
           <a:p>
             <a:fld id="{16F2B674-2742-420A-9C08-248EA6F96186}" type="datetimeFigureOut">
               <a:rPr lang="en-IN" smtClean="0"/>
-              <a:t>21-09-2025</a:t>
+              <a:t>25-09-2025</a:t>
             </a:fld>
             <a:endParaRPr lang="en-IN"/>
           </a:p>
@@ -2398,7 +2403,7 @@
           <a:p>
             <a:fld id="{16F2B674-2742-420A-9C08-248EA6F96186}" type="datetimeFigureOut">
               <a:rPr lang="en-IN" smtClean="0"/>
-              <a:t>21-09-2025</a:t>
+              <a:t>25-09-2025</a:t>
             </a:fld>
             <a:endParaRPr lang="en-IN"/>
           </a:p>
@@ -2687,7 +2692,7 @@
           <a:p>
             <a:fld id="{16F2B674-2742-420A-9C08-248EA6F96186}" type="datetimeFigureOut">
               <a:rPr lang="en-IN" smtClean="0"/>
-              <a:t>21-09-2025</a:t>
+              <a:t>25-09-2025</a:t>
             </a:fld>
             <a:endParaRPr lang="en-IN"/>
           </a:p>
@@ -2930,7 +2935,7 @@
           <a:p>
             <a:fld id="{16F2B674-2742-420A-9C08-248EA6F96186}" type="datetimeFigureOut">
               <a:rPr lang="en-IN" smtClean="0"/>
-              <a:t>21-09-2025</a:t>
+              <a:t>25-09-2025</a:t>
             </a:fld>
             <a:endParaRPr lang="en-IN"/>
           </a:p>
@@ -5279,8 +5284,19 @@
                 <a:latin typeface="Times New Roman" panose="02020603050405020304" pitchFamily="18" charset="0"/>
                 <a:cs typeface="Times New Roman" panose="02020603050405020304" pitchFamily="18" charset="0"/>
               </a:rPr>
-              <a:t>     Integer a = new Integer(10); </a:t>
-            </a:r>
+              <a:t>     Integer a </a:t>
+            </a:r>
+            <a:r>
+              <a:rPr lang="it-IT" sz="1200">
+                <a:latin typeface="Times New Roman" panose="02020603050405020304" pitchFamily="18" charset="0"/>
+                <a:cs typeface="Times New Roman" panose="02020603050405020304" pitchFamily="18" charset="0"/>
+              </a:rPr>
+              <a:t>=  10 ;</a:t>
+            </a:r>
+            <a:endParaRPr lang="it-IT" sz="1200" dirty="0">
+              <a:latin typeface="Times New Roman" panose="02020603050405020304" pitchFamily="18" charset="0"/>
+              <a:cs typeface="Times New Roman" panose="02020603050405020304" pitchFamily="18" charset="0"/>
+            </a:endParaRPr>
           </a:p>
           <a:p>
             <a:pPr marL="0" indent="0" algn="just" fontAlgn="base">
@@ -5417,7 +5433,7 @@
         </p:nvSpPr>
         <p:spPr>
           <a:xfrm>
-            <a:off x="838200" y="1724025"/>
+            <a:off x="838200" y="1984001"/>
             <a:ext cx="10515600" cy="2432340"/>
           </a:xfrm>
         </p:spPr>
